--- a/Rendszerfejlesztes_jav.pptx
+++ b/Rendszerfejlesztes_jav.pptx
@@ -8714,7 +8714,7 @@
           <a:p>
             <a:fld id="{6DBD326F-F71F-4BB2-92C8-9983EB3A3209}" type="datetimeFigureOut">
               <a:rPr lang="hu-HU" smtClean="0"/>
-              <a:t>2024. 10. 06.</a:t>
+              <a:t>2024/10/13</a:t>
             </a:fld>
             <a:endParaRPr lang="hu-HU"/>
           </a:p>
@@ -8912,7 +8912,7 @@
           <a:p>
             <a:fld id="{6DBD326F-F71F-4BB2-92C8-9983EB3A3209}" type="datetimeFigureOut">
               <a:rPr lang="hu-HU" smtClean="0"/>
-              <a:t>2024. 10. 06.</a:t>
+              <a:t>2024/10/13</a:t>
             </a:fld>
             <a:endParaRPr lang="hu-HU"/>
           </a:p>
@@ -9120,7 +9120,7 @@
           <a:p>
             <a:fld id="{6DBD326F-F71F-4BB2-92C8-9983EB3A3209}" type="datetimeFigureOut">
               <a:rPr lang="hu-HU" smtClean="0"/>
-              <a:t>2024. 10. 06.</a:t>
+              <a:t>2024/10/13</a:t>
             </a:fld>
             <a:endParaRPr lang="hu-HU"/>
           </a:p>
@@ -9318,7 +9318,7 @@
           <a:p>
             <a:fld id="{6DBD326F-F71F-4BB2-92C8-9983EB3A3209}" type="datetimeFigureOut">
               <a:rPr lang="hu-HU" smtClean="0"/>
-              <a:t>2024. 10. 06.</a:t>
+              <a:t>2024/10/13</a:t>
             </a:fld>
             <a:endParaRPr lang="hu-HU"/>
           </a:p>
@@ -9593,7 +9593,7 @@
           <a:p>
             <a:fld id="{6DBD326F-F71F-4BB2-92C8-9983EB3A3209}" type="datetimeFigureOut">
               <a:rPr lang="hu-HU" smtClean="0"/>
-              <a:t>2024. 10. 06.</a:t>
+              <a:t>2024/10/13</a:t>
             </a:fld>
             <a:endParaRPr lang="hu-HU"/>
           </a:p>
@@ -9858,7 +9858,7 @@
           <a:p>
             <a:fld id="{6DBD326F-F71F-4BB2-92C8-9983EB3A3209}" type="datetimeFigureOut">
               <a:rPr lang="hu-HU" smtClean="0"/>
-              <a:t>2024. 10. 06.</a:t>
+              <a:t>2024/10/13</a:t>
             </a:fld>
             <a:endParaRPr lang="hu-HU"/>
           </a:p>
@@ -10270,7 +10270,7 @@
           <a:p>
             <a:fld id="{6DBD326F-F71F-4BB2-92C8-9983EB3A3209}" type="datetimeFigureOut">
               <a:rPr lang="hu-HU" smtClean="0"/>
-              <a:t>2024. 10. 06.</a:t>
+              <a:t>2024/10/13</a:t>
             </a:fld>
             <a:endParaRPr lang="hu-HU"/>
           </a:p>
@@ -10411,7 +10411,7 @@
           <a:p>
             <a:fld id="{6DBD326F-F71F-4BB2-92C8-9983EB3A3209}" type="datetimeFigureOut">
               <a:rPr lang="hu-HU" smtClean="0"/>
-              <a:t>2024. 10. 06.</a:t>
+              <a:t>2024/10/13</a:t>
             </a:fld>
             <a:endParaRPr lang="hu-HU"/>
           </a:p>
@@ -10524,7 +10524,7 @@
           <a:p>
             <a:fld id="{6DBD326F-F71F-4BB2-92C8-9983EB3A3209}" type="datetimeFigureOut">
               <a:rPr lang="hu-HU" smtClean="0"/>
-              <a:t>2024. 10. 06.</a:t>
+              <a:t>2024/10/13</a:t>
             </a:fld>
             <a:endParaRPr lang="hu-HU"/>
           </a:p>
@@ -10835,7 +10835,7 @@
           <a:p>
             <a:fld id="{6DBD326F-F71F-4BB2-92C8-9983EB3A3209}" type="datetimeFigureOut">
               <a:rPr lang="hu-HU" smtClean="0"/>
-              <a:t>2024. 10. 06.</a:t>
+              <a:t>2024/10/13</a:t>
             </a:fld>
             <a:endParaRPr lang="hu-HU"/>
           </a:p>
@@ -11123,7 +11123,7 @@
           <a:p>
             <a:fld id="{6DBD326F-F71F-4BB2-92C8-9983EB3A3209}" type="datetimeFigureOut">
               <a:rPr lang="hu-HU" smtClean="0"/>
-              <a:t>2024. 10. 06.</a:t>
+              <a:t>2024/10/13</a:t>
             </a:fld>
             <a:endParaRPr lang="hu-HU"/>
           </a:p>
@@ -11364,7 +11364,7 @@
           <a:p>
             <a:fld id="{6DBD326F-F71F-4BB2-92C8-9983EB3A3209}" type="datetimeFigureOut">
               <a:rPr lang="hu-HU" smtClean="0"/>
-              <a:t>2024. 10. 06.</a:t>
+              <a:t>2024/10/13</a:t>
             </a:fld>
             <a:endParaRPr lang="hu-HU"/>
           </a:p>
